--- a/Slides/Class09.pptx
+++ b/Slides/Class09.pptx
@@ -229,7 +229,7 @@
           <a:p>
             <a:fld id="{C24322AF-E05B-7249-906C-FBAC6154C037}" type="datetimeFigureOut">
               <a:rPr lang="en-US" smtClean="0"/>
-              <a:t>12/11/18</a:t>
+              <a:t>1/24/21</a:t>
             </a:fld>
             <a:endParaRPr lang="en-US"/>
           </a:p>
@@ -395,7 +395,7 @@
             <a:fld id="{06A43BE5-3BD4-F642-8751-88A31D8D6D13}" type="datetimeFigureOut">
               <a:rPr lang="en-US" smtClean="0"/>
               <a:pPr/>
-              <a:t>12/11/18</a:t>
+              <a:t>1/24/21</a:t>
             </a:fld>
             <a:endParaRPr lang="en-US"/>
           </a:p>
@@ -938,7 +938,7 @@
             <a:fld id="{A4FA2B0E-4818-9849-9CF1-1031FD4E1DAB}" type="datetimeFigureOut">
               <a:rPr lang="en-US" smtClean="0"/>
               <a:pPr/>
-              <a:t>12/11/18</a:t>
+              <a:t>1/24/21</a:t>
             </a:fld>
             <a:endParaRPr lang="en-US"/>
           </a:p>
@@ -1103,7 +1103,7 @@
             <a:fld id="{A4FA2B0E-4818-9849-9CF1-1031FD4E1DAB}" type="datetimeFigureOut">
               <a:rPr lang="en-US" smtClean="0"/>
               <a:pPr/>
-              <a:t>12/11/18</a:t>
+              <a:t>1/24/21</a:t>
             </a:fld>
             <a:endParaRPr lang="en-US"/>
           </a:p>
@@ -1278,7 +1278,7 @@
             <a:fld id="{A4FA2B0E-4818-9849-9CF1-1031FD4E1DAB}" type="datetimeFigureOut">
               <a:rPr lang="en-US" smtClean="0"/>
               <a:pPr/>
-              <a:t>12/11/18</a:t>
+              <a:t>1/24/21</a:t>
             </a:fld>
             <a:endParaRPr lang="en-US"/>
           </a:p>
@@ -1443,7 +1443,7 @@
             <a:fld id="{A4FA2B0E-4818-9849-9CF1-1031FD4E1DAB}" type="datetimeFigureOut">
               <a:rPr lang="en-US" smtClean="0"/>
               <a:pPr/>
-              <a:t>12/11/18</a:t>
+              <a:t>1/24/21</a:t>
             </a:fld>
             <a:endParaRPr lang="en-US"/>
           </a:p>
@@ -1685,7 +1685,7 @@
             <a:fld id="{A4FA2B0E-4818-9849-9CF1-1031FD4E1DAB}" type="datetimeFigureOut">
               <a:rPr lang="en-US" smtClean="0"/>
               <a:pPr/>
-              <a:t>12/11/18</a:t>
+              <a:t>1/24/21</a:t>
             </a:fld>
             <a:endParaRPr lang="en-US"/>
           </a:p>
@@ -1967,7 +1967,7 @@
             <a:fld id="{A4FA2B0E-4818-9849-9CF1-1031FD4E1DAB}" type="datetimeFigureOut">
               <a:rPr lang="en-US" smtClean="0"/>
               <a:pPr/>
-              <a:t>12/11/18</a:t>
+              <a:t>1/24/21</a:t>
             </a:fld>
             <a:endParaRPr lang="en-US"/>
           </a:p>
@@ -2383,7 +2383,7 @@
             <a:fld id="{A4FA2B0E-4818-9849-9CF1-1031FD4E1DAB}" type="datetimeFigureOut">
               <a:rPr lang="en-US" smtClean="0"/>
               <a:pPr/>
-              <a:t>12/11/18</a:t>
+              <a:t>1/24/21</a:t>
             </a:fld>
             <a:endParaRPr lang="en-US"/>
           </a:p>
@@ -2497,7 +2497,7 @@
             <a:fld id="{A4FA2B0E-4818-9849-9CF1-1031FD4E1DAB}" type="datetimeFigureOut">
               <a:rPr lang="en-US" smtClean="0"/>
               <a:pPr/>
-              <a:t>12/11/18</a:t>
+              <a:t>1/24/21</a:t>
             </a:fld>
             <a:endParaRPr lang="en-US"/>
           </a:p>
@@ -2589,7 +2589,7 @@
             <a:fld id="{A4FA2B0E-4818-9849-9CF1-1031FD4E1DAB}" type="datetimeFigureOut">
               <a:rPr lang="en-US" smtClean="0"/>
               <a:pPr/>
-              <a:t>12/11/18</a:t>
+              <a:t>1/24/21</a:t>
             </a:fld>
             <a:endParaRPr lang="en-US"/>
           </a:p>
@@ -2861,7 +2861,7 @@
             <a:fld id="{A4FA2B0E-4818-9849-9CF1-1031FD4E1DAB}" type="datetimeFigureOut">
               <a:rPr lang="en-US" smtClean="0"/>
               <a:pPr/>
-              <a:t>12/11/18</a:t>
+              <a:t>1/24/21</a:t>
             </a:fld>
             <a:endParaRPr lang="en-US"/>
           </a:p>
@@ -3110,7 +3110,7 @@
             <a:fld id="{A4FA2B0E-4818-9849-9CF1-1031FD4E1DAB}" type="datetimeFigureOut">
               <a:rPr lang="en-US" smtClean="0"/>
               <a:pPr/>
-              <a:t>12/11/18</a:t>
+              <a:t>1/24/21</a:t>
             </a:fld>
             <a:endParaRPr lang="en-US"/>
           </a:p>
@@ -3318,7 +3318,7 @@
             <a:fld id="{A4FA2B0E-4818-9849-9CF1-1031FD4E1DAB}" type="datetimeFigureOut">
               <a:rPr lang="en-US" smtClean="0"/>
               <a:pPr/>
-              <a:t>12/11/18</a:t>
+              <a:t>1/24/21</a:t>
             </a:fld>
             <a:endParaRPr lang="en-US"/>
           </a:p>
@@ -4683,7 +4683,7 @@
         <p:spPr>
           <a:xfrm>
             <a:off x="539603" y="945629"/>
-            <a:ext cx="8450017" cy="3724096"/>
+            <a:ext cx="8450017" cy="2616101"/>
           </a:xfrm>
           <a:prstGeom prst="rect">
             <a:avLst/>
@@ -4695,68 +4695,6 @@
             <a:spAutoFit/>
           </a:bodyPr>
           <a:lstStyle/>
-          <a:p>
-            <a:pPr marL="342900" marR="0" lvl="0" indent="-342900">
-              <a:spcBef>
-                <a:spcPts val="0"/>
-              </a:spcBef>
-              <a:spcAft>
-                <a:spcPts val="0"/>
-              </a:spcAft>
-              <a:buFont typeface="Arial" panose="020B0604020202020204" pitchFamily="34" charset="0"/>
-              <a:buChar char="•"/>
-            </a:pPr>
-            <a:r>
-              <a:rPr lang="en-US" sz="2400" dirty="0">
-                <a:latin typeface="Times New Roman" panose="02020603050405020304" pitchFamily="18" charset="0"/>
-                <a:ea typeface="MS Mincho" panose="02020609040205080304" pitchFamily="49" charset="-128"/>
-                <a:cs typeface="Times New Roman" panose="02020603050405020304" pitchFamily="18" charset="0"/>
-              </a:rPr>
-              <a:t>Next class: Someone from Career Services Office comes to class</a:t>
-            </a:r>
-          </a:p>
-          <a:p>
-            <a:pPr marL="342900" marR="0" lvl="0" indent="-342900">
-              <a:spcBef>
-                <a:spcPts val="0"/>
-              </a:spcBef>
-              <a:spcAft>
-                <a:spcPts val="0"/>
-              </a:spcAft>
-              <a:buFont typeface="Arial" panose="020B0604020202020204" pitchFamily="34" charset="0"/>
-              <a:buChar char="•"/>
-            </a:pPr>
-            <a:endParaRPr lang="en-US" sz="1200" dirty="0">
-              <a:latin typeface="Times New Roman" panose="02020603050405020304" pitchFamily="18" charset="0"/>
-              <a:ea typeface="MS Mincho" panose="02020609040205080304" pitchFamily="49" charset="-128"/>
-              <a:cs typeface="Times New Roman" panose="02020603050405020304" pitchFamily="18" charset="0"/>
-            </a:endParaRPr>
-          </a:p>
-          <a:p>
-            <a:pPr marL="342900" indent="-342900">
-              <a:buFont typeface="Arial" panose="020B0604020202020204" pitchFamily="34" charset="0"/>
-              <a:buChar char="•"/>
-            </a:pPr>
-            <a:r>
-              <a:rPr lang="en-US" sz="2400" dirty="0">
-                <a:latin typeface="Times New Roman" panose="02020603050405020304" pitchFamily="18" charset="0"/>
-                <a:ea typeface="MS Mincho" panose="02020609040205080304" pitchFamily="49" charset="-128"/>
-                <a:cs typeface="Times New Roman" panose="02020603050405020304" pitchFamily="18" charset="0"/>
-              </a:rPr>
-              <a:t>Next week: Class at the Career Services Office</a:t>
-            </a:r>
-          </a:p>
-          <a:p>
-            <a:pPr marL="342900" indent="-342900">
-              <a:buFont typeface="Arial" panose="020B0604020202020204" pitchFamily="34" charset="0"/>
-              <a:buChar char="•"/>
-            </a:pPr>
-            <a:endParaRPr lang="en-US" sz="1200" dirty="0">
-              <a:latin typeface="Times New Roman" panose="02020603050405020304" pitchFamily="18" charset="0"/>
-              <a:ea typeface="MS Mincho" panose="02020609040205080304" pitchFamily="49" charset="-128"/>
-              <a:cs typeface="Times New Roman" panose="02020603050405020304" pitchFamily="18" charset="0"/>
-            </a:endParaRPr>
-          </a:p>
           <a:p>
             <a:pPr marL="342900" indent="-342900">
               <a:buFont typeface="Arial" panose="020B0604020202020204" pitchFamily="34" charset="0"/>

--- a/Slides/Class09.pptx
+++ b/Slides/Class09.pptx
@@ -229,7 +229,7 @@
           <a:p>
             <a:fld id="{C24322AF-E05B-7249-906C-FBAC6154C037}" type="datetimeFigureOut">
               <a:rPr lang="en-US" smtClean="0"/>
-              <a:t>1/24/21</a:t>
+              <a:t>6/18/25</a:t>
             </a:fld>
             <a:endParaRPr lang="en-US"/>
           </a:p>
@@ -395,7 +395,7 @@
             <a:fld id="{06A43BE5-3BD4-F642-8751-88A31D8D6D13}" type="datetimeFigureOut">
               <a:rPr lang="en-US" smtClean="0"/>
               <a:pPr/>
-              <a:t>1/24/21</a:t>
+              <a:t>6/18/25</a:t>
             </a:fld>
             <a:endParaRPr lang="en-US"/>
           </a:p>
@@ -938,7 +938,7 @@
             <a:fld id="{A4FA2B0E-4818-9849-9CF1-1031FD4E1DAB}" type="datetimeFigureOut">
               <a:rPr lang="en-US" smtClean="0"/>
               <a:pPr/>
-              <a:t>1/24/21</a:t>
+              <a:t>6/18/25</a:t>
             </a:fld>
             <a:endParaRPr lang="en-US"/>
           </a:p>
@@ -1103,7 +1103,7 @@
             <a:fld id="{A4FA2B0E-4818-9849-9CF1-1031FD4E1DAB}" type="datetimeFigureOut">
               <a:rPr lang="en-US" smtClean="0"/>
               <a:pPr/>
-              <a:t>1/24/21</a:t>
+              <a:t>6/18/25</a:t>
             </a:fld>
             <a:endParaRPr lang="en-US"/>
           </a:p>
@@ -1278,7 +1278,7 @@
             <a:fld id="{A4FA2B0E-4818-9849-9CF1-1031FD4E1DAB}" type="datetimeFigureOut">
               <a:rPr lang="en-US" smtClean="0"/>
               <a:pPr/>
-              <a:t>1/24/21</a:t>
+              <a:t>6/18/25</a:t>
             </a:fld>
             <a:endParaRPr lang="en-US"/>
           </a:p>
@@ -1443,7 +1443,7 @@
             <a:fld id="{A4FA2B0E-4818-9849-9CF1-1031FD4E1DAB}" type="datetimeFigureOut">
               <a:rPr lang="en-US" smtClean="0"/>
               <a:pPr/>
-              <a:t>1/24/21</a:t>
+              <a:t>6/18/25</a:t>
             </a:fld>
             <a:endParaRPr lang="en-US"/>
           </a:p>
@@ -1685,7 +1685,7 @@
             <a:fld id="{A4FA2B0E-4818-9849-9CF1-1031FD4E1DAB}" type="datetimeFigureOut">
               <a:rPr lang="en-US" smtClean="0"/>
               <a:pPr/>
-              <a:t>1/24/21</a:t>
+              <a:t>6/18/25</a:t>
             </a:fld>
             <a:endParaRPr lang="en-US"/>
           </a:p>
@@ -1967,7 +1967,7 @@
             <a:fld id="{A4FA2B0E-4818-9849-9CF1-1031FD4E1DAB}" type="datetimeFigureOut">
               <a:rPr lang="en-US" smtClean="0"/>
               <a:pPr/>
-              <a:t>1/24/21</a:t>
+              <a:t>6/18/25</a:t>
             </a:fld>
             <a:endParaRPr lang="en-US"/>
           </a:p>
@@ -2383,7 +2383,7 @@
             <a:fld id="{A4FA2B0E-4818-9849-9CF1-1031FD4E1DAB}" type="datetimeFigureOut">
               <a:rPr lang="en-US" smtClean="0"/>
               <a:pPr/>
-              <a:t>1/24/21</a:t>
+              <a:t>6/18/25</a:t>
             </a:fld>
             <a:endParaRPr lang="en-US"/>
           </a:p>
@@ -2497,7 +2497,7 @@
             <a:fld id="{A4FA2B0E-4818-9849-9CF1-1031FD4E1DAB}" type="datetimeFigureOut">
               <a:rPr lang="en-US" smtClean="0"/>
               <a:pPr/>
-              <a:t>1/24/21</a:t>
+              <a:t>6/18/25</a:t>
             </a:fld>
             <a:endParaRPr lang="en-US"/>
           </a:p>
@@ -2589,7 +2589,7 @@
             <a:fld id="{A4FA2B0E-4818-9849-9CF1-1031FD4E1DAB}" type="datetimeFigureOut">
               <a:rPr lang="en-US" smtClean="0"/>
               <a:pPr/>
-              <a:t>1/24/21</a:t>
+              <a:t>6/18/25</a:t>
             </a:fld>
             <a:endParaRPr lang="en-US"/>
           </a:p>
@@ -2861,7 +2861,7 @@
             <a:fld id="{A4FA2B0E-4818-9849-9CF1-1031FD4E1DAB}" type="datetimeFigureOut">
               <a:rPr lang="en-US" smtClean="0"/>
               <a:pPr/>
-              <a:t>1/24/21</a:t>
+              <a:t>6/18/25</a:t>
             </a:fld>
             <a:endParaRPr lang="en-US"/>
           </a:p>
@@ -3110,7 +3110,7 @@
             <a:fld id="{A4FA2B0E-4818-9849-9CF1-1031FD4E1DAB}" type="datetimeFigureOut">
               <a:rPr lang="en-US" smtClean="0"/>
               <a:pPr/>
-              <a:t>1/24/21</a:t>
+              <a:t>6/18/25</a:t>
             </a:fld>
             <a:endParaRPr lang="en-US"/>
           </a:p>
@@ -3318,7 +3318,7 @@
             <a:fld id="{A4FA2B0E-4818-9849-9CF1-1031FD4E1DAB}" type="datetimeFigureOut">
               <a:rPr lang="en-US" smtClean="0"/>
               <a:pPr/>
-              <a:t>1/24/21</a:t>
+              <a:t>6/18/25</a:t>
             </a:fld>
             <a:endParaRPr lang="en-US"/>
           </a:p>
@@ -3897,7 +3897,7 @@
         <p:spPr>
           <a:xfrm>
             <a:off x="539604" y="945629"/>
-            <a:ext cx="8233694" cy="2123658"/>
+            <a:ext cx="8233694" cy="3046988"/>
           </a:xfrm>
           <a:prstGeom prst="rect">
             <a:avLst/>
@@ -3996,6 +3996,31 @@
                 <a:cs typeface="Times New Roman" panose="02020603050405020304" pitchFamily="18" charset="0"/>
               </a:rPr>
               <a:t>Main focus today is presentation style</a:t>
+            </a:r>
+          </a:p>
+          <a:p>
+            <a:pPr marL="342900" indent="-342900">
+              <a:buFont typeface="Arial" panose="020B0604020202020204" pitchFamily="34" charset="0"/>
+              <a:buChar char="•"/>
+            </a:pPr>
+            <a:endParaRPr lang="en-US" sz="1200" dirty="0">
+              <a:latin typeface="Times New Roman" panose="02020603050405020304" pitchFamily="18" charset="0"/>
+              <a:ea typeface="MS Mincho" panose="02020609040205080304" pitchFamily="49" charset="-128"/>
+              <a:cs typeface="Times New Roman" panose="02020603050405020304" pitchFamily="18" charset="0"/>
+            </a:endParaRPr>
+          </a:p>
+          <a:p>
+            <a:pPr marL="342900" indent="-342900">
+              <a:buFont typeface="Arial" panose="020B0604020202020204" pitchFamily="34" charset="0"/>
+              <a:buChar char="•"/>
+            </a:pPr>
+            <a:r>
+              <a:rPr lang="en-US" sz="2400" dirty="0">
+                <a:latin typeface="Times New Roman" panose="02020603050405020304" pitchFamily="18" charset="0"/>
+                <a:ea typeface="MS Mincho" panose="02020609040205080304" pitchFamily="49" charset="-128"/>
+                <a:cs typeface="Times New Roman" panose="02020603050405020304" pitchFamily="18" charset="0"/>
+              </a:rPr>
+              <a:t>Every student will ask at least one question and give constructive feedback on at least one presentation</a:t>
             </a:r>
           </a:p>
         </p:txBody>
